--- a/ppt 16-9/0972.忍耐歌.pptx
+++ b/ppt 16-9/0972.忍耐歌.pptx
@@ -129,7 +129,7 @@
           <p:cNvPr id="2" name="标题 1">
             <a:extLst>
               <a:ext uri="{FF2B5EF4-FFF2-40B4-BE49-F238E27FC236}">
-                <a16:creationId xmlns:a16="http://schemas.microsoft.com/office/drawing/2014/main" id="{B3E32425-7FCE-8CE6-3416-A3E14803E1C8}"/>
+                <a16:creationId xmlns:a16="http://schemas.microsoft.com/office/drawing/2014/main" id="{E964C58F-04EB-1E3A-3BF2-E975C4BE8DD5}"/>
               </a:ext>
             </a:extLst>
           </p:cNvPr>
@@ -166,7 +166,7 @@
           <p:cNvPr id="3" name="副标题 2">
             <a:extLst>
               <a:ext uri="{FF2B5EF4-FFF2-40B4-BE49-F238E27FC236}">
-                <a16:creationId xmlns:a16="http://schemas.microsoft.com/office/drawing/2014/main" id="{B974AA39-CC14-18E5-1B2C-042211D01424}"/>
+                <a16:creationId xmlns:a16="http://schemas.microsoft.com/office/drawing/2014/main" id="{16BA6621-6364-B712-AB17-2B2DE039946B}"/>
               </a:ext>
             </a:extLst>
           </p:cNvPr>
@@ -236,7 +236,7 @@
           <p:cNvPr id="4" name="日期占位符 3">
             <a:extLst>
               <a:ext uri="{FF2B5EF4-FFF2-40B4-BE49-F238E27FC236}">
-                <a16:creationId xmlns:a16="http://schemas.microsoft.com/office/drawing/2014/main" id="{4FA7780A-E28E-B799-DF4E-8D1CBBE9D04E}"/>
+                <a16:creationId xmlns:a16="http://schemas.microsoft.com/office/drawing/2014/main" id="{F0E7DE4B-75D2-6AF4-6A4E-2F15A4AEB772}"/>
               </a:ext>
             </a:extLst>
           </p:cNvPr>
@@ -252,7 +252,7 @@
           <a:bodyPr/>
           <a:lstStyle/>
           <a:p>
-            <a:fld id="{7C9CDB1E-CDC6-4AD0-B2F2-0521A4CEAFF3}" type="datetimeFigureOut">
+            <a:fld id="{B074C497-7486-420D-A680-4B2701769E69}" type="datetimeFigureOut">
               <a:rPr lang="zh-CN" altLang="en-US" smtClean="0"/>
               <a:t>2024/3/10</a:t>
             </a:fld>
@@ -265,7 +265,7 @@
           <p:cNvPr id="5" name="页脚占位符 4">
             <a:extLst>
               <a:ext uri="{FF2B5EF4-FFF2-40B4-BE49-F238E27FC236}">
-                <a16:creationId xmlns:a16="http://schemas.microsoft.com/office/drawing/2014/main" id="{79252822-E4A4-09BB-D9D9-0A487F123968}"/>
+                <a16:creationId xmlns:a16="http://schemas.microsoft.com/office/drawing/2014/main" id="{E9448CF8-CF12-62A1-FE22-A9301F596946}"/>
               </a:ext>
             </a:extLst>
           </p:cNvPr>
@@ -290,7 +290,7 @@
           <p:cNvPr id="6" name="灯片编号占位符 5">
             <a:extLst>
               <a:ext uri="{FF2B5EF4-FFF2-40B4-BE49-F238E27FC236}">
-                <a16:creationId xmlns:a16="http://schemas.microsoft.com/office/drawing/2014/main" id="{D5694B5E-4E2E-5472-FEFB-0A1E57F7B34D}"/>
+                <a16:creationId xmlns:a16="http://schemas.microsoft.com/office/drawing/2014/main" id="{4D86385C-6E09-68FB-F9C7-6EB2E88887B1}"/>
               </a:ext>
             </a:extLst>
           </p:cNvPr>
@@ -306,7 +306,7 @@
           <a:bodyPr/>
           <a:lstStyle/>
           <a:p>
-            <a:fld id="{4C8389C6-68F8-4741-A613-D16CD314D2FC}" type="slidenum">
+            <a:fld id="{CFE26624-AA7E-49C1-8B19-29E2B6AF7076}" type="slidenum">
               <a:rPr lang="zh-CN" altLang="en-US" smtClean="0"/>
               <a:t>‹#›</a:t>
             </a:fld>
@@ -317,7 +317,7 @@
     </p:spTree>
     <p:extLst>
       <p:ext uri="{BB962C8B-B14F-4D97-AF65-F5344CB8AC3E}">
-        <p14:creationId xmlns:p14="http://schemas.microsoft.com/office/powerpoint/2010/main" val="860263889"/>
+        <p14:creationId xmlns:p14="http://schemas.microsoft.com/office/powerpoint/2010/main" val="1729576948"/>
       </p:ext>
     </p:extLst>
   </p:cSld>
@@ -349,7 +349,7 @@
           <p:cNvPr id="2" name="标题 1">
             <a:extLst>
               <a:ext uri="{FF2B5EF4-FFF2-40B4-BE49-F238E27FC236}">
-                <a16:creationId xmlns:a16="http://schemas.microsoft.com/office/drawing/2014/main" id="{1954B809-AA02-67DA-F714-3CBA72E6E14F}"/>
+                <a16:creationId xmlns:a16="http://schemas.microsoft.com/office/drawing/2014/main" id="{CFCB8EE3-A623-6D55-2156-88F693816E1D}"/>
               </a:ext>
             </a:extLst>
           </p:cNvPr>
@@ -377,7 +377,7 @@
           <p:cNvPr id="3" name="竖排文字占位符 2">
             <a:extLst>
               <a:ext uri="{FF2B5EF4-FFF2-40B4-BE49-F238E27FC236}">
-                <a16:creationId xmlns:a16="http://schemas.microsoft.com/office/drawing/2014/main" id="{F5039F3F-0F32-0B82-0AD0-DDD07DF5ADED}"/>
+                <a16:creationId xmlns:a16="http://schemas.microsoft.com/office/drawing/2014/main" id="{2A861915-D8B7-CC0F-1C03-0CE3A9499846}"/>
               </a:ext>
             </a:extLst>
           </p:cNvPr>
@@ -434,7 +434,7 @@
           <p:cNvPr id="4" name="日期占位符 3">
             <a:extLst>
               <a:ext uri="{FF2B5EF4-FFF2-40B4-BE49-F238E27FC236}">
-                <a16:creationId xmlns:a16="http://schemas.microsoft.com/office/drawing/2014/main" id="{3DB3E440-30AC-126F-E18D-867EC12D5D83}"/>
+                <a16:creationId xmlns:a16="http://schemas.microsoft.com/office/drawing/2014/main" id="{D809C546-0AF9-FBF0-D8CA-755B736CE909}"/>
               </a:ext>
             </a:extLst>
           </p:cNvPr>
@@ -450,7 +450,7 @@
           <a:bodyPr/>
           <a:lstStyle/>
           <a:p>
-            <a:fld id="{7C9CDB1E-CDC6-4AD0-B2F2-0521A4CEAFF3}" type="datetimeFigureOut">
+            <a:fld id="{B074C497-7486-420D-A680-4B2701769E69}" type="datetimeFigureOut">
               <a:rPr lang="zh-CN" altLang="en-US" smtClean="0"/>
               <a:t>2024/3/10</a:t>
             </a:fld>
@@ -463,7 +463,7 @@
           <p:cNvPr id="5" name="页脚占位符 4">
             <a:extLst>
               <a:ext uri="{FF2B5EF4-FFF2-40B4-BE49-F238E27FC236}">
-                <a16:creationId xmlns:a16="http://schemas.microsoft.com/office/drawing/2014/main" id="{F99A425E-849A-91D8-9AA0-94075CEC9283}"/>
+                <a16:creationId xmlns:a16="http://schemas.microsoft.com/office/drawing/2014/main" id="{6F16CEC9-7B6B-8BB0-E8FE-4F3D4196CEBA}"/>
               </a:ext>
             </a:extLst>
           </p:cNvPr>
@@ -488,7 +488,7 @@
           <p:cNvPr id="6" name="灯片编号占位符 5">
             <a:extLst>
               <a:ext uri="{FF2B5EF4-FFF2-40B4-BE49-F238E27FC236}">
-                <a16:creationId xmlns:a16="http://schemas.microsoft.com/office/drawing/2014/main" id="{38B271A3-9136-827C-A3F7-C524A7646231}"/>
+                <a16:creationId xmlns:a16="http://schemas.microsoft.com/office/drawing/2014/main" id="{C301653B-7779-F266-5BB4-7778FF095FE1}"/>
               </a:ext>
             </a:extLst>
           </p:cNvPr>
@@ -504,7 +504,7 @@
           <a:bodyPr/>
           <a:lstStyle/>
           <a:p>
-            <a:fld id="{4C8389C6-68F8-4741-A613-D16CD314D2FC}" type="slidenum">
+            <a:fld id="{CFE26624-AA7E-49C1-8B19-29E2B6AF7076}" type="slidenum">
               <a:rPr lang="zh-CN" altLang="en-US" smtClean="0"/>
               <a:t>‹#›</a:t>
             </a:fld>
@@ -515,7 +515,7 @@
     </p:spTree>
     <p:extLst>
       <p:ext uri="{BB962C8B-B14F-4D97-AF65-F5344CB8AC3E}">
-        <p14:creationId xmlns:p14="http://schemas.microsoft.com/office/powerpoint/2010/main" val="1455020472"/>
+        <p14:creationId xmlns:p14="http://schemas.microsoft.com/office/powerpoint/2010/main" val="4215536004"/>
       </p:ext>
     </p:extLst>
   </p:cSld>
@@ -547,7 +547,7 @@
           <p:cNvPr id="2" name="竖排标题 1">
             <a:extLst>
               <a:ext uri="{FF2B5EF4-FFF2-40B4-BE49-F238E27FC236}">
-                <a16:creationId xmlns:a16="http://schemas.microsoft.com/office/drawing/2014/main" id="{DCE43610-BB14-D9BF-BFD7-BCC138096000}"/>
+                <a16:creationId xmlns:a16="http://schemas.microsoft.com/office/drawing/2014/main" id="{DF978A97-0E25-B7DF-74FC-DBC959ED026E}"/>
               </a:ext>
             </a:extLst>
           </p:cNvPr>
@@ -580,7 +580,7 @@
           <p:cNvPr id="3" name="竖排文字占位符 2">
             <a:extLst>
               <a:ext uri="{FF2B5EF4-FFF2-40B4-BE49-F238E27FC236}">
-                <a16:creationId xmlns:a16="http://schemas.microsoft.com/office/drawing/2014/main" id="{1546CBEE-95F2-79EB-C210-B7660E586818}"/>
+                <a16:creationId xmlns:a16="http://schemas.microsoft.com/office/drawing/2014/main" id="{4F6519EB-B8FC-D019-9E9B-D42BD0439D71}"/>
               </a:ext>
             </a:extLst>
           </p:cNvPr>
@@ -642,7 +642,7 @@
           <p:cNvPr id="4" name="日期占位符 3">
             <a:extLst>
               <a:ext uri="{FF2B5EF4-FFF2-40B4-BE49-F238E27FC236}">
-                <a16:creationId xmlns:a16="http://schemas.microsoft.com/office/drawing/2014/main" id="{7E02F9C5-32FE-2765-BD52-2242B1DE8ADD}"/>
+                <a16:creationId xmlns:a16="http://schemas.microsoft.com/office/drawing/2014/main" id="{46A1EA92-A6BC-CF41-8CFA-794D8063B4C0}"/>
               </a:ext>
             </a:extLst>
           </p:cNvPr>
@@ -658,7 +658,7 @@
           <a:bodyPr/>
           <a:lstStyle/>
           <a:p>
-            <a:fld id="{7C9CDB1E-CDC6-4AD0-B2F2-0521A4CEAFF3}" type="datetimeFigureOut">
+            <a:fld id="{B074C497-7486-420D-A680-4B2701769E69}" type="datetimeFigureOut">
               <a:rPr lang="zh-CN" altLang="en-US" smtClean="0"/>
               <a:t>2024/3/10</a:t>
             </a:fld>
@@ -671,7 +671,7 @@
           <p:cNvPr id="5" name="页脚占位符 4">
             <a:extLst>
               <a:ext uri="{FF2B5EF4-FFF2-40B4-BE49-F238E27FC236}">
-                <a16:creationId xmlns:a16="http://schemas.microsoft.com/office/drawing/2014/main" id="{920B8BCD-72AB-9A75-DBDB-79DC58EC6B1E}"/>
+                <a16:creationId xmlns:a16="http://schemas.microsoft.com/office/drawing/2014/main" id="{743B4A60-C2E2-1FEC-7323-322F305C0E15}"/>
               </a:ext>
             </a:extLst>
           </p:cNvPr>
@@ -696,7 +696,7 @@
           <p:cNvPr id="6" name="灯片编号占位符 5">
             <a:extLst>
               <a:ext uri="{FF2B5EF4-FFF2-40B4-BE49-F238E27FC236}">
-                <a16:creationId xmlns:a16="http://schemas.microsoft.com/office/drawing/2014/main" id="{3AC3E120-B746-37F3-213C-DF6D86F151E6}"/>
+                <a16:creationId xmlns:a16="http://schemas.microsoft.com/office/drawing/2014/main" id="{9908FF0E-908A-596D-8EFE-8A0816DBDD5B}"/>
               </a:ext>
             </a:extLst>
           </p:cNvPr>
@@ -712,7 +712,7 @@
           <a:bodyPr/>
           <a:lstStyle/>
           <a:p>
-            <a:fld id="{4C8389C6-68F8-4741-A613-D16CD314D2FC}" type="slidenum">
+            <a:fld id="{CFE26624-AA7E-49C1-8B19-29E2B6AF7076}" type="slidenum">
               <a:rPr lang="zh-CN" altLang="en-US" smtClean="0"/>
               <a:t>‹#›</a:t>
             </a:fld>
@@ -723,7 +723,7 @@
     </p:spTree>
     <p:extLst>
       <p:ext uri="{BB962C8B-B14F-4D97-AF65-F5344CB8AC3E}">
-        <p14:creationId xmlns:p14="http://schemas.microsoft.com/office/powerpoint/2010/main" val="2192077168"/>
+        <p14:creationId xmlns:p14="http://schemas.microsoft.com/office/powerpoint/2010/main" val="3130411094"/>
       </p:ext>
     </p:extLst>
   </p:cSld>
@@ -755,7 +755,7 @@
           <p:cNvPr id="2" name="标题 1">
             <a:extLst>
               <a:ext uri="{FF2B5EF4-FFF2-40B4-BE49-F238E27FC236}">
-                <a16:creationId xmlns:a16="http://schemas.microsoft.com/office/drawing/2014/main" id="{084C61B9-5962-7ADF-96FB-2BC980296E4C}"/>
+                <a16:creationId xmlns:a16="http://schemas.microsoft.com/office/drawing/2014/main" id="{2A00061A-57F5-697F-30E1-55D001491C94}"/>
               </a:ext>
             </a:extLst>
           </p:cNvPr>
@@ -783,7 +783,7 @@
           <p:cNvPr id="3" name="内容占位符 2">
             <a:extLst>
               <a:ext uri="{FF2B5EF4-FFF2-40B4-BE49-F238E27FC236}">
-                <a16:creationId xmlns:a16="http://schemas.microsoft.com/office/drawing/2014/main" id="{875B3B18-3B3C-E548-F1C0-56849CC9DC72}"/>
+                <a16:creationId xmlns:a16="http://schemas.microsoft.com/office/drawing/2014/main" id="{BC0F88C5-AF4E-2803-069D-794BAA962267}"/>
               </a:ext>
             </a:extLst>
           </p:cNvPr>
@@ -840,7 +840,7 @@
           <p:cNvPr id="4" name="日期占位符 3">
             <a:extLst>
               <a:ext uri="{FF2B5EF4-FFF2-40B4-BE49-F238E27FC236}">
-                <a16:creationId xmlns:a16="http://schemas.microsoft.com/office/drawing/2014/main" id="{390DB593-EF9D-5FA7-36E2-7772A31294F7}"/>
+                <a16:creationId xmlns:a16="http://schemas.microsoft.com/office/drawing/2014/main" id="{0B347B8E-47F9-700D-9A61-42DA2E643DB2}"/>
               </a:ext>
             </a:extLst>
           </p:cNvPr>
@@ -856,7 +856,7 @@
           <a:bodyPr/>
           <a:lstStyle/>
           <a:p>
-            <a:fld id="{7C9CDB1E-CDC6-4AD0-B2F2-0521A4CEAFF3}" type="datetimeFigureOut">
+            <a:fld id="{B074C497-7486-420D-A680-4B2701769E69}" type="datetimeFigureOut">
               <a:rPr lang="zh-CN" altLang="en-US" smtClean="0"/>
               <a:t>2024/3/10</a:t>
             </a:fld>
@@ -869,7 +869,7 @@
           <p:cNvPr id="5" name="页脚占位符 4">
             <a:extLst>
               <a:ext uri="{FF2B5EF4-FFF2-40B4-BE49-F238E27FC236}">
-                <a16:creationId xmlns:a16="http://schemas.microsoft.com/office/drawing/2014/main" id="{DCB681E1-9206-2BB8-D399-92DCE626A21F}"/>
+                <a16:creationId xmlns:a16="http://schemas.microsoft.com/office/drawing/2014/main" id="{4C42499A-A349-B5CD-DB47-9F2FA103D129}"/>
               </a:ext>
             </a:extLst>
           </p:cNvPr>
@@ -894,7 +894,7 @@
           <p:cNvPr id="6" name="灯片编号占位符 5">
             <a:extLst>
               <a:ext uri="{FF2B5EF4-FFF2-40B4-BE49-F238E27FC236}">
-                <a16:creationId xmlns:a16="http://schemas.microsoft.com/office/drawing/2014/main" id="{012A9337-18B0-CA3C-B63D-798ECE3C31CF}"/>
+                <a16:creationId xmlns:a16="http://schemas.microsoft.com/office/drawing/2014/main" id="{86B0AD59-335E-73D2-F908-461E87F3042A}"/>
               </a:ext>
             </a:extLst>
           </p:cNvPr>
@@ -910,7 +910,7 @@
           <a:bodyPr/>
           <a:lstStyle/>
           <a:p>
-            <a:fld id="{4C8389C6-68F8-4741-A613-D16CD314D2FC}" type="slidenum">
+            <a:fld id="{CFE26624-AA7E-49C1-8B19-29E2B6AF7076}" type="slidenum">
               <a:rPr lang="zh-CN" altLang="en-US" smtClean="0"/>
               <a:t>‹#›</a:t>
             </a:fld>
@@ -921,7 +921,7 @@
     </p:spTree>
     <p:extLst>
       <p:ext uri="{BB962C8B-B14F-4D97-AF65-F5344CB8AC3E}">
-        <p14:creationId xmlns:p14="http://schemas.microsoft.com/office/powerpoint/2010/main" val="407834334"/>
+        <p14:creationId xmlns:p14="http://schemas.microsoft.com/office/powerpoint/2010/main" val="84526942"/>
       </p:ext>
     </p:extLst>
   </p:cSld>
@@ -953,7 +953,7 @@
           <p:cNvPr id="2" name="标题 1">
             <a:extLst>
               <a:ext uri="{FF2B5EF4-FFF2-40B4-BE49-F238E27FC236}">
-                <a16:creationId xmlns:a16="http://schemas.microsoft.com/office/drawing/2014/main" id="{103324C9-B37F-36B4-4843-70996B6FC1C2}"/>
+                <a16:creationId xmlns:a16="http://schemas.microsoft.com/office/drawing/2014/main" id="{484092E5-9A31-060E-AE1B-B975F94631DC}"/>
               </a:ext>
             </a:extLst>
           </p:cNvPr>
@@ -990,7 +990,7 @@
           <p:cNvPr id="3" name="文本占位符 2">
             <a:extLst>
               <a:ext uri="{FF2B5EF4-FFF2-40B4-BE49-F238E27FC236}">
-                <a16:creationId xmlns:a16="http://schemas.microsoft.com/office/drawing/2014/main" id="{1481836A-BC66-D1FF-FF47-1C1CB7DD3B16}"/>
+                <a16:creationId xmlns:a16="http://schemas.microsoft.com/office/drawing/2014/main" id="{D066C95B-3526-17E7-860D-E69728F53EAF}"/>
               </a:ext>
             </a:extLst>
           </p:cNvPr>
@@ -1115,7 +1115,7 @@
           <p:cNvPr id="4" name="日期占位符 3">
             <a:extLst>
               <a:ext uri="{FF2B5EF4-FFF2-40B4-BE49-F238E27FC236}">
-                <a16:creationId xmlns:a16="http://schemas.microsoft.com/office/drawing/2014/main" id="{DDB36F18-1517-04BB-92BF-FE8D7807FAE6}"/>
+                <a16:creationId xmlns:a16="http://schemas.microsoft.com/office/drawing/2014/main" id="{4D63E22C-0F00-9611-13CE-2D56D56000ED}"/>
               </a:ext>
             </a:extLst>
           </p:cNvPr>
@@ -1131,7 +1131,7 @@
           <a:bodyPr/>
           <a:lstStyle/>
           <a:p>
-            <a:fld id="{7C9CDB1E-CDC6-4AD0-B2F2-0521A4CEAFF3}" type="datetimeFigureOut">
+            <a:fld id="{B074C497-7486-420D-A680-4B2701769E69}" type="datetimeFigureOut">
               <a:rPr lang="zh-CN" altLang="en-US" smtClean="0"/>
               <a:t>2024/3/10</a:t>
             </a:fld>
@@ -1144,7 +1144,7 @@
           <p:cNvPr id="5" name="页脚占位符 4">
             <a:extLst>
               <a:ext uri="{FF2B5EF4-FFF2-40B4-BE49-F238E27FC236}">
-                <a16:creationId xmlns:a16="http://schemas.microsoft.com/office/drawing/2014/main" id="{47F6A9D6-4B6D-7FA0-D407-43849AC617F1}"/>
+                <a16:creationId xmlns:a16="http://schemas.microsoft.com/office/drawing/2014/main" id="{01D3027E-3790-995C-D2AE-05A0D0992866}"/>
               </a:ext>
             </a:extLst>
           </p:cNvPr>
@@ -1169,7 +1169,7 @@
           <p:cNvPr id="6" name="灯片编号占位符 5">
             <a:extLst>
               <a:ext uri="{FF2B5EF4-FFF2-40B4-BE49-F238E27FC236}">
-                <a16:creationId xmlns:a16="http://schemas.microsoft.com/office/drawing/2014/main" id="{92115774-9854-740D-F6D9-BB54B8E9B071}"/>
+                <a16:creationId xmlns:a16="http://schemas.microsoft.com/office/drawing/2014/main" id="{830197E6-DE39-6F3E-1EEA-2C09CEAC02A3}"/>
               </a:ext>
             </a:extLst>
           </p:cNvPr>
@@ -1185,7 +1185,7 @@
           <a:bodyPr/>
           <a:lstStyle/>
           <a:p>
-            <a:fld id="{4C8389C6-68F8-4741-A613-D16CD314D2FC}" type="slidenum">
+            <a:fld id="{CFE26624-AA7E-49C1-8B19-29E2B6AF7076}" type="slidenum">
               <a:rPr lang="zh-CN" altLang="en-US" smtClean="0"/>
               <a:t>‹#›</a:t>
             </a:fld>
@@ -1196,7 +1196,7 @@
     </p:spTree>
     <p:extLst>
       <p:ext uri="{BB962C8B-B14F-4D97-AF65-F5344CB8AC3E}">
-        <p14:creationId xmlns:p14="http://schemas.microsoft.com/office/powerpoint/2010/main" val="1995457694"/>
+        <p14:creationId xmlns:p14="http://schemas.microsoft.com/office/powerpoint/2010/main" val="4133735669"/>
       </p:ext>
     </p:extLst>
   </p:cSld>
@@ -1228,7 +1228,7 @@
           <p:cNvPr id="2" name="标题 1">
             <a:extLst>
               <a:ext uri="{FF2B5EF4-FFF2-40B4-BE49-F238E27FC236}">
-                <a16:creationId xmlns:a16="http://schemas.microsoft.com/office/drawing/2014/main" id="{775CD9B8-8299-BDE6-AA19-399C1E6E4186}"/>
+                <a16:creationId xmlns:a16="http://schemas.microsoft.com/office/drawing/2014/main" id="{5456EE65-C116-1D14-6D88-9EB8A8DA2790}"/>
               </a:ext>
             </a:extLst>
           </p:cNvPr>
@@ -1256,7 +1256,7 @@
           <p:cNvPr id="3" name="内容占位符 2">
             <a:extLst>
               <a:ext uri="{FF2B5EF4-FFF2-40B4-BE49-F238E27FC236}">
-                <a16:creationId xmlns:a16="http://schemas.microsoft.com/office/drawing/2014/main" id="{3C19C533-7EF6-DA1A-9DE3-0C0D32248FCF}"/>
+                <a16:creationId xmlns:a16="http://schemas.microsoft.com/office/drawing/2014/main" id="{47CD8BDF-9B84-9457-BCFA-D897DE09FFD9}"/>
               </a:ext>
             </a:extLst>
           </p:cNvPr>
@@ -1318,7 +1318,7 @@
           <p:cNvPr id="4" name="内容占位符 3">
             <a:extLst>
               <a:ext uri="{FF2B5EF4-FFF2-40B4-BE49-F238E27FC236}">
-                <a16:creationId xmlns:a16="http://schemas.microsoft.com/office/drawing/2014/main" id="{5F4E9FFE-B8C9-1B28-72BC-EDBA39183BD0}"/>
+                <a16:creationId xmlns:a16="http://schemas.microsoft.com/office/drawing/2014/main" id="{5C50CE31-A34E-A842-E8D3-51C711AEC3C7}"/>
               </a:ext>
             </a:extLst>
           </p:cNvPr>
@@ -1380,7 +1380,7 @@
           <p:cNvPr id="5" name="日期占位符 4">
             <a:extLst>
               <a:ext uri="{FF2B5EF4-FFF2-40B4-BE49-F238E27FC236}">
-                <a16:creationId xmlns:a16="http://schemas.microsoft.com/office/drawing/2014/main" id="{C5EE7922-156E-5A4B-83FD-EE6A6B70270A}"/>
+                <a16:creationId xmlns:a16="http://schemas.microsoft.com/office/drawing/2014/main" id="{0B9FA68D-CC2E-71FA-25A9-9E7C5C137255}"/>
               </a:ext>
             </a:extLst>
           </p:cNvPr>
@@ -1396,7 +1396,7 @@
           <a:bodyPr/>
           <a:lstStyle/>
           <a:p>
-            <a:fld id="{7C9CDB1E-CDC6-4AD0-B2F2-0521A4CEAFF3}" type="datetimeFigureOut">
+            <a:fld id="{B074C497-7486-420D-A680-4B2701769E69}" type="datetimeFigureOut">
               <a:rPr lang="zh-CN" altLang="en-US" smtClean="0"/>
               <a:t>2024/3/10</a:t>
             </a:fld>
@@ -1409,7 +1409,7 @@
           <p:cNvPr id="6" name="页脚占位符 5">
             <a:extLst>
               <a:ext uri="{FF2B5EF4-FFF2-40B4-BE49-F238E27FC236}">
-                <a16:creationId xmlns:a16="http://schemas.microsoft.com/office/drawing/2014/main" id="{75EF4FCC-8F0E-2969-AE4F-7EFE071174D5}"/>
+                <a16:creationId xmlns:a16="http://schemas.microsoft.com/office/drawing/2014/main" id="{BC8BC7A4-C433-C439-0D18-E49CF6375485}"/>
               </a:ext>
             </a:extLst>
           </p:cNvPr>
@@ -1434,7 +1434,7 @@
           <p:cNvPr id="7" name="灯片编号占位符 6">
             <a:extLst>
               <a:ext uri="{FF2B5EF4-FFF2-40B4-BE49-F238E27FC236}">
-                <a16:creationId xmlns:a16="http://schemas.microsoft.com/office/drawing/2014/main" id="{B875CA81-9281-F8B8-2211-55FE96BD4A6B}"/>
+                <a16:creationId xmlns:a16="http://schemas.microsoft.com/office/drawing/2014/main" id="{B5E6EFD0-41F4-BA41-314C-1FDF0D7A37E3}"/>
               </a:ext>
             </a:extLst>
           </p:cNvPr>
@@ -1450,7 +1450,7 @@
           <a:bodyPr/>
           <a:lstStyle/>
           <a:p>
-            <a:fld id="{4C8389C6-68F8-4741-A613-D16CD314D2FC}" type="slidenum">
+            <a:fld id="{CFE26624-AA7E-49C1-8B19-29E2B6AF7076}" type="slidenum">
               <a:rPr lang="zh-CN" altLang="en-US" smtClean="0"/>
               <a:t>‹#›</a:t>
             </a:fld>
@@ -1461,7 +1461,7 @@
     </p:spTree>
     <p:extLst>
       <p:ext uri="{BB962C8B-B14F-4D97-AF65-F5344CB8AC3E}">
-        <p14:creationId xmlns:p14="http://schemas.microsoft.com/office/powerpoint/2010/main" val="1039319136"/>
+        <p14:creationId xmlns:p14="http://schemas.microsoft.com/office/powerpoint/2010/main" val="1548476669"/>
       </p:ext>
     </p:extLst>
   </p:cSld>
@@ -1493,7 +1493,7 @@
           <p:cNvPr id="2" name="标题 1">
             <a:extLst>
               <a:ext uri="{FF2B5EF4-FFF2-40B4-BE49-F238E27FC236}">
-                <a16:creationId xmlns:a16="http://schemas.microsoft.com/office/drawing/2014/main" id="{E1BCB493-8A72-7E36-DD64-556F090B52E3}"/>
+                <a16:creationId xmlns:a16="http://schemas.microsoft.com/office/drawing/2014/main" id="{6996B135-52C1-558F-EFC0-7D8B89263A7B}"/>
               </a:ext>
             </a:extLst>
           </p:cNvPr>
@@ -1526,7 +1526,7 @@
           <p:cNvPr id="3" name="文本占位符 2">
             <a:extLst>
               <a:ext uri="{FF2B5EF4-FFF2-40B4-BE49-F238E27FC236}">
-                <a16:creationId xmlns:a16="http://schemas.microsoft.com/office/drawing/2014/main" id="{9C3B4BD5-C322-E9B7-76D9-4FB287307E58}"/>
+                <a16:creationId xmlns:a16="http://schemas.microsoft.com/office/drawing/2014/main" id="{1E175AA1-7509-FF99-BC7C-DF3C76A0812D}"/>
               </a:ext>
             </a:extLst>
           </p:cNvPr>
@@ -1597,7 +1597,7 @@
           <p:cNvPr id="4" name="内容占位符 3">
             <a:extLst>
               <a:ext uri="{FF2B5EF4-FFF2-40B4-BE49-F238E27FC236}">
-                <a16:creationId xmlns:a16="http://schemas.microsoft.com/office/drawing/2014/main" id="{00988359-9980-3D29-2020-6F2C2102639D}"/>
+                <a16:creationId xmlns:a16="http://schemas.microsoft.com/office/drawing/2014/main" id="{779BAA57-E555-1671-B024-A1E7A2847819}"/>
               </a:ext>
             </a:extLst>
           </p:cNvPr>
@@ -1659,7 +1659,7 @@
           <p:cNvPr id="5" name="文本占位符 4">
             <a:extLst>
               <a:ext uri="{FF2B5EF4-FFF2-40B4-BE49-F238E27FC236}">
-                <a16:creationId xmlns:a16="http://schemas.microsoft.com/office/drawing/2014/main" id="{E6E4ADEF-38CD-EB82-A187-34BC3BF09472}"/>
+                <a16:creationId xmlns:a16="http://schemas.microsoft.com/office/drawing/2014/main" id="{147F6F11-E22C-756B-B712-5F5FC52C6F1A}"/>
               </a:ext>
             </a:extLst>
           </p:cNvPr>
@@ -1730,7 +1730,7 @@
           <p:cNvPr id="6" name="内容占位符 5">
             <a:extLst>
               <a:ext uri="{FF2B5EF4-FFF2-40B4-BE49-F238E27FC236}">
-                <a16:creationId xmlns:a16="http://schemas.microsoft.com/office/drawing/2014/main" id="{1E5F6058-E4DB-14DC-0328-36AD10DD29C4}"/>
+                <a16:creationId xmlns:a16="http://schemas.microsoft.com/office/drawing/2014/main" id="{0D111642-9372-D0D3-81A6-D487556E7003}"/>
               </a:ext>
             </a:extLst>
           </p:cNvPr>
@@ -1792,7 +1792,7 @@
           <p:cNvPr id="7" name="日期占位符 6">
             <a:extLst>
               <a:ext uri="{FF2B5EF4-FFF2-40B4-BE49-F238E27FC236}">
-                <a16:creationId xmlns:a16="http://schemas.microsoft.com/office/drawing/2014/main" id="{873095EC-4BA3-D36D-E730-E1D84D900F45}"/>
+                <a16:creationId xmlns:a16="http://schemas.microsoft.com/office/drawing/2014/main" id="{C6CC624F-072E-5FCE-8562-5E5E9D97BE8A}"/>
               </a:ext>
             </a:extLst>
           </p:cNvPr>
@@ -1808,7 +1808,7 @@
           <a:bodyPr/>
           <a:lstStyle/>
           <a:p>
-            <a:fld id="{7C9CDB1E-CDC6-4AD0-B2F2-0521A4CEAFF3}" type="datetimeFigureOut">
+            <a:fld id="{B074C497-7486-420D-A680-4B2701769E69}" type="datetimeFigureOut">
               <a:rPr lang="zh-CN" altLang="en-US" smtClean="0"/>
               <a:t>2024/3/10</a:t>
             </a:fld>
@@ -1821,7 +1821,7 @@
           <p:cNvPr id="8" name="页脚占位符 7">
             <a:extLst>
               <a:ext uri="{FF2B5EF4-FFF2-40B4-BE49-F238E27FC236}">
-                <a16:creationId xmlns:a16="http://schemas.microsoft.com/office/drawing/2014/main" id="{864C199C-C2D7-CA47-6C30-7208F6EF474E}"/>
+                <a16:creationId xmlns:a16="http://schemas.microsoft.com/office/drawing/2014/main" id="{19A6E350-3481-1548-0231-B2CF048C29C7}"/>
               </a:ext>
             </a:extLst>
           </p:cNvPr>
@@ -1846,7 +1846,7 @@
           <p:cNvPr id="9" name="灯片编号占位符 8">
             <a:extLst>
               <a:ext uri="{FF2B5EF4-FFF2-40B4-BE49-F238E27FC236}">
-                <a16:creationId xmlns:a16="http://schemas.microsoft.com/office/drawing/2014/main" id="{F9BE083D-3349-7BB0-9660-9911F8E763D7}"/>
+                <a16:creationId xmlns:a16="http://schemas.microsoft.com/office/drawing/2014/main" id="{4DB01CC9-8FDC-A646-B709-70CD05DF258C}"/>
               </a:ext>
             </a:extLst>
           </p:cNvPr>
@@ -1862,7 +1862,7 @@
           <a:bodyPr/>
           <a:lstStyle/>
           <a:p>
-            <a:fld id="{4C8389C6-68F8-4741-A613-D16CD314D2FC}" type="slidenum">
+            <a:fld id="{CFE26624-AA7E-49C1-8B19-29E2B6AF7076}" type="slidenum">
               <a:rPr lang="zh-CN" altLang="en-US" smtClean="0"/>
               <a:t>‹#›</a:t>
             </a:fld>
@@ -1873,7 +1873,7 @@
     </p:spTree>
     <p:extLst>
       <p:ext uri="{BB962C8B-B14F-4D97-AF65-F5344CB8AC3E}">
-        <p14:creationId xmlns:p14="http://schemas.microsoft.com/office/powerpoint/2010/main" val="2860520600"/>
+        <p14:creationId xmlns:p14="http://schemas.microsoft.com/office/powerpoint/2010/main" val="3006589710"/>
       </p:ext>
     </p:extLst>
   </p:cSld>
@@ -1905,7 +1905,7 @@
           <p:cNvPr id="2" name="标题 1">
             <a:extLst>
               <a:ext uri="{FF2B5EF4-FFF2-40B4-BE49-F238E27FC236}">
-                <a16:creationId xmlns:a16="http://schemas.microsoft.com/office/drawing/2014/main" id="{01DE4280-055B-5F52-61AF-3018FBB19B53}"/>
+                <a16:creationId xmlns:a16="http://schemas.microsoft.com/office/drawing/2014/main" id="{DA9DFF83-F0D3-879A-0B94-C3C30EBB4654}"/>
               </a:ext>
             </a:extLst>
           </p:cNvPr>
@@ -1933,7 +1933,7 @@
           <p:cNvPr id="3" name="日期占位符 2">
             <a:extLst>
               <a:ext uri="{FF2B5EF4-FFF2-40B4-BE49-F238E27FC236}">
-                <a16:creationId xmlns:a16="http://schemas.microsoft.com/office/drawing/2014/main" id="{1FCED2B2-DADD-BEF7-58E8-79F618FF4428}"/>
+                <a16:creationId xmlns:a16="http://schemas.microsoft.com/office/drawing/2014/main" id="{ABC978E1-1441-C896-71FF-2836627E20AA}"/>
               </a:ext>
             </a:extLst>
           </p:cNvPr>
@@ -1949,7 +1949,7 @@
           <a:bodyPr/>
           <a:lstStyle/>
           <a:p>
-            <a:fld id="{7C9CDB1E-CDC6-4AD0-B2F2-0521A4CEAFF3}" type="datetimeFigureOut">
+            <a:fld id="{B074C497-7486-420D-A680-4B2701769E69}" type="datetimeFigureOut">
               <a:rPr lang="zh-CN" altLang="en-US" smtClean="0"/>
               <a:t>2024/3/10</a:t>
             </a:fld>
@@ -1962,7 +1962,7 @@
           <p:cNvPr id="4" name="页脚占位符 3">
             <a:extLst>
               <a:ext uri="{FF2B5EF4-FFF2-40B4-BE49-F238E27FC236}">
-                <a16:creationId xmlns:a16="http://schemas.microsoft.com/office/drawing/2014/main" id="{DE1C0CC0-19E9-BEE9-DF7E-DBE7FECD22BD}"/>
+                <a16:creationId xmlns:a16="http://schemas.microsoft.com/office/drawing/2014/main" id="{1D728EF2-6B7D-B614-B8CB-20827B45A7B6}"/>
               </a:ext>
             </a:extLst>
           </p:cNvPr>
@@ -1987,7 +1987,7 @@
           <p:cNvPr id="5" name="灯片编号占位符 4">
             <a:extLst>
               <a:ext uri="{FF2B5EF4-FFF2-40B4-BE49-F238E27FC236}">
-                <a16:creationId xmlns:a16="http://schemas.microsoft.com/office/drawing/2014/main" id="{94AAD27D-8578-65C5-4640-3CF50E0A3E8B}"/>
+                <a16:creationId xmlns:a16="http://schemas.microsoft.com/office/drawing/2014/main" id="{62E3B479-7959-2739-E60C-DD28B53685BF}"/>
               </a:ext>
             </a:extLst>
           </p:cNvPr>
@@ -2003,7 +2003,7 @@
           <a:bodyPr/>
           <a:lstStyle/>
           <a:p>
-            <a:fld id="{4C8389C6-68F8-4741-A613-D16CD314D2FC}" type="slidenum">
+            <a:fld id="{CFE26624-AA7E-49C1-8B19-29E2B6AF7076}" type="slidenum">
               <a:rPr lang="zh-CN" altLang="en-US" smtClean="0"/>
               <a:t>‹#›</a:t>
             </a:fld>
@@ -2014,7 +2014,7 @@
     </p:spTree>
     <p:extLst>
       <p:ext uri="{BB962C8B-B14F-4D97-AF65-F5344CB8AC3E}">
-        <p14:creationId xmlns:p14="http://schemas.microsoft.com/office/powerpoint/2010/main" val="4059864494"/>
+        <p14:creationId xmlns:p14="http://schemas.microsoft.com/office/powerpoint/2010/main" val="1267034221"/>
       </p:ext>
     </p:extLst>
   </p:cSld>
@@ -2046,7 +2046,7 @@
           <p:cNvPr id="2" name="日期占位符 1">
             <a:extLst>
               <a:ext uri="{FF2B5EF4-FFF2-40B4-BE49-F238E27FC236}">
-                <a16:creationId xmlns:a16="http://schemas.microsoft.com/office/drawing/2014/main" id="{3372C5D5-13D3-D00E-CE93-25D8D3DF115E}"/>
+                <a16:creationId xmlns:a16="http://schemas.microsoft.com/office/drawing/2014/main" id="{D447B045-6736-73B3-71C4-2DE2CE3C9DBB}"/>
               </a:ext>
             </a:extLst>
           </p:cNvPr>
@@ -2062,7 +2062,7 @@
           <a:bodyPr/>
           <a:lstStyle/>
           <a:p>
-            <a:fld id="{7C9CDB1E-CDC6-4AD0-B2F2-0521A4CEAFF3}" type="datetimeFigureOut">
+            <a:fld id="{B074C497-7486-420D-A680-4B2701769E69}" type="datetimeFigureOut">
               <a:rPr lang="zh-CN" altLang="en-US" smtClean="0"/>
               <a:t>2024/3/10</a:t>
             </a:fld>
@@ -2075,7 +2075,7 @@
           <p:cNvPr id="3" name="页脚占位符 2">
             <a:extLst>
               <a:ext uri="{FF2B5EF4-FFF2-40B4-BE49-F238E27FC236}">
-                <a16:creationId xmlns:a16="http://schemas.microsoft.com/office/drawing/2014/main" id="{5570B33B-31DC-2802-53BA-E812BB4121B0}"/>
+                <a16:creationId xmlns:a16="http://schemas.microsoft.com/office/drawing/2014/main" id="{A44F9318-695F-9288-7488-C65EDAC1231F}"/>
               </a:ext>
             </a:extLst>
           </p:cNvPr>
@@ -2100,7 +2100,7 @@
           <p:cNvPr id="4" name="灯片编号占位符 3">
             <a:extLst>
               <a:ext uri="{FF2B5EF4-FFF2-40B4-BE49-F238E27FC236}">
-                <a16:creationId xmlns:a16="http://schemas.microsoft.com/office/drawing/2014/main" id="{9FC893B0-3394-B515-F415-B97777527588}"/>
+                <a16:creationId xmlns:a16="http://schemas.microsoft.com/office/drawing/2014/main" id="{BD7ED22B-2A70-ED9D-BCF1-2FE51422813D}"/>
               </a:ext>
             </a:extLst>
           </p:cNvPr>
@@ -2116,7 +2116,7 @@
           <a:bodyPr/>
           <a:lstStyle/>
           <a:p>
-            <a:fld id="{4C8389C6-68F8-4741-A613-D16CD314D2FC}" type="slidenum">
+            <a:fld id="{CFE26624-AA7E-49C1-8B19-29E2B6AF7076}" type="slidenum">
               <a:rPr lang="zh-CN" altLang="en-US" smtClean="0"/>
               <a:t>‹#›</a:t>
             </a:fld>
@@ -2127,7 +2127,7 @@
     </p:spTree>
     <p:extLst>
       <p:ext uri="{BB962C8B-B14F-4D97-AF65-F5344CB8AC3E}">
-        <p14:creationId xmlns:p14="http://schemas.microsoft.com/office/powerpoint/2010/main" val="2789640929"/>
+        <p14:creationId xmlns:p14="http://schemas.microsoft.com/office/powerpoint/2010/main" val="2622520028"/>
       </p:ext>
     </p:extLst>
   </p:cSld>
@@ -2159,7 +2159,7 @@
           <p:cNvPr id="2" name="标题 1">
             <a:extLst>
               <a:ext uri="{FF2B5EF4-FFF2-40B4-BE49-F238E27FC236}">
-                <a16:creationId xmlns:a16="http://schemas.microsoft.com/office/drawing/2014/main" id="{46813762-0A90-FD17-556B-C8B35A0300E5}"/>
+                <a16:creationId xmlns:a16="http://schemas.microsoft.com/office/drawing/2014/main" id="{2D6A2325-5B29-06A3-5E73-B72A41FE8C1A}"/>
               </a:ext>
             </a:extLst>
           </p:cNvPr>
@@ -2196,7 +2196,7 @@
           <p:cNvPr id="3" name="内容占位符 2">
             <a:extLst>
               <a:ext uri="{FF2B5EF4-FFF2-40B4-BE49-F238E27FC236}">
-                <a16:creationId xmlns:a16="http://schemas.microsoft.com/office/drawing/2014/main" id="{A7AEB1BF-204C-EA36-1BD5-0AF1FEAAE079}"/>
+                <a16:creationId xmlns:a16="http://schemas.microsoft.com/office/drawing/2014/main" id="{39D8B90B-1B6E-1D53-5D91-D86829B92421}"/>
               </a:ext>
             </a:extLst>
           </p:cNvPr>
@@ -2286,7 +2286,7 @@
           <p:cNvPr id="4" name="文本占位符 3">
             <a:extLst>
               <a:ext uri="{FF2B5EF4-FFF2-40B4-BE49-F238E27FC236}">
-                <a16:creationId xmlns:a16="http://schemas.microsoft.com/office/drawing/2014/main" id="{297B02E1-7F00-F34E-6703-14A73CEB5C67}"/>
+                <a16:creationId xmlns:a16="http://schemas.microsoft.com/office/drawing/2014/main" id="{CC7BAD3E-EF54-8BBA-CC06-BC22F0A30D60}"/>
               </a:ext>
             </a:extLst>
           </p:cNvPr>
@@ -2357,7 +2357,7 @@
           <p:cNvPr id="5" name="日期占位符 4">
             <a:extLst>
               <a:ext uri="{FF2B5EF4-FFF2-40B4-BE49-F238E27FC236}">
-                <a16:creationId xmlns:a16="http://schemas.microsoft.com/office/drawing/2014/main" id="{ECD2161C-33B4-64F9-E2FF-E2F6FB0F1EBB}"/>
+                <a16:creationId xmlns:a16="http://schemas.microsoft.com/office/drawing/2014/main" id="{A1468563-C75E-AA2C-BCF1-6DDA1FC75C7A}"/>
               </a:ext>
             </a:extLst>
           </p:cNvPr>
@@ -2373,7 +2373,7 @@
           <a:bodyPr/>
           <a:lstStyle/>
           <a:p>
-            <a:fld id="{7C9CDB1E-CDC6-4AD0-B2F2-0521A4CEAFF3}" type="datetimeFigureOut">
+            <a:fld id="{B074C497-7486-420D-A680-4B2701769E69}" type="datetimeFigureOut">
               <a:rPr lang="zh-CN" altLang="en-US" smtClean="0"/>
               <a:t>2024/3/10</a:t>
             </a:fld>
@@ -2386,7 +2386,7 @@
           <p:cNvPr id="6" name="页脚占位符 5">
             <a:extLst>
               <a:ext uri="{FF2B5EF4-FFF2-40B4-BE49-F238E27FC236}">
-                <a16:creationId xmlns:a16="http://schemas.microsoft.com/office/drawing/2014/main" id="{71D698F5-D240-6DCB-20BB-9A606A7C3213}"/>
+                <a16:creationId xmlns:a16="http://schemas.microsoft.com/office/drawing/2014/main" id="{299976DB-57D9-A967-A355-E5A89A40D592}"/>
               </a:ext>
             </a:extLst>
           </p:cNvPr>
@@ -2411,7 +2411,7 @@
           <p:cNvPr id="7" name="灯片编号占位符 6">
             <a:extLst>
               <a:ext uri="{FF2B5EF4-FFF2-40B4-BE49-F238E27FC236}">
-                <a16:creationId xmlns:a16="http://schemas.microsoft.com/office/drawing/2014/main" id="{CBA3436B-D6DB-27F6-9F1E-FE99CA757D1C}"/>
+                <a16:creationId xmlns:a16="http://schemas.microsoft.com/office/drawing/2014/main" id="{685677DF-DE94-873E-724B-BBB3C138E851}"/>
               </a:ext>
             </a:extLst>
           </p:cNvPr>
@@ -2427,7 +2427,7 @@
           <a:bodyPr/>
           <a:lstStyle/>
           <a:p>
-            <a:fld id="{4C8389C6-68F8-4741-A613-D16CD314D2FC}" type="slidenum">
+            <a:fld id="{CFE26624-AA7E-49C1-8B19-29E2B6AF7076}" type="slidenum">
               <a:rPr lang="zh-CN" altLang="en-US" smtClean="0"/>
               <a:t>‹#›</a:t>
             </a:fld>
@@ -2438,7 +2438,7 @@
     </p:spTree>
     <p:extLst>
       <p:ext uri="{BB962C8B-B14F-4D97-AF65-F5344CB8AC3E}">
-        <p14:creationId xmlns:p14="http://schemas.microsoft.com/office/powerpoint/2010/main" val="1247181489"/>
+        <p14:creationId xmlns:p14="http://schemas.microsoft.com/office/powerpoint/2010/main" val="4040249839"/>
       </p:ext>
     </p:extLst>
   </p:cSld>
@@ -2470,7 +2470,7 @@
           <p:cNvPr id="2" name="标题 1">
             <a:extLst>
               <a:ext uri="{FF2B5EF4-FFF2-40B4-BE49-F238E27FC236}">
-                <a16:creationId xmlns:a16="http://schemas.microsoft.com/office/drawing/2014/main" id="{CF0E71B5-9ED9-397E-61DA-3E692E9301DF}"/>
+                <a16:creationId xmlns:a16="http://schemas.microsoft.com/office/drawing/2014/main" id="{9453AABF-B551-CBB8-BBFC-E4B186A51D36}"/>
               </a:ext>
             </a:extLst>
           </p:cNvPr>
@@ -2507,7 +2507,7 @@
           <p:cNvPr id="3" name="图片占位符 2">
             <a:extLst>
               <a:ext uri="{FF2B5EF4-FFF2-40B4-BE49-F238E27FC236}">
-                <a16:creationId xmlns:a16="http://schemas.microsoft.com/office/drawing/2014/main" id="{03ED58C1-24A2-B61A-A5E8-8249031C8372}"/>
+                <a16:creationId xmlns:a16="http://schemas.microsoft.com/office/drawing/2014/main" id="{39CB72E7-ED7C-303D-7525-0412528E807F}"/>
               </a:ext>
             </a:extLst>
           </p:cNvPr>
@@ -2574,7 +2574,7 @@
           <p:cNvPr id="4" name="文本占位符 3">
             <a:extLst>
               <a:ext uri="{FF2B5EF4-FFF2-40B4-BE49-F238E27FC236}">
-                <a16:creationId xmlns:a16="http://schemas.microsoft.com/office/drawing/2014/main" id="{6DB45C04-FA52-430D-2CA2-FCC4AAB6C52A}"/>
+                <a16:creationId xmlns:a16="http://schemas.microsoft.com/office/drawing/2014/main" id="{CAF933D8-2768-2F5F-1B84-D4756B98299E}"/>
               </a:ext>
             </a:extLst>
           </p:cNvPr>
@@ -2645,7 +2645,7 @@
           <p:cNvPr id="5" name="日期占位符 4">
             <a:extLst>
               <a:ext uri="{FF2B5EF4-FFF2-40B4-BE49-F238E27FC236}">
-                <a16:creationId xmlns:a16="http://schemas.microsoft.com/office/drawing/2014/main" id="{3948E65D-CFF9-EFBF-7AC2-36522496C14C}"/>
+                <a16:creationId xmlns:a16="http://schemas.microsoft.com/office/drawing/2014/main" id="{48BE9707-46DD-7FE9-CF6E-9077FDE02EEC}"/>
               </a:ext>
             </a:extLst>
           </p:cNvPr>
@@ -2661,7 +2661,7 @@
           <a:bodyPr/>
           <a:lstStyle/>
           <a:p>
-            <a:fld id="{7C9CDB1E-CDC6-4AD0-B2F2-0521A4CEAFF3}" type="datetimeFigureOut">
+            <a:fld id="{B074C497-7486-420D-A680-4B2701769E69}" type="datetimeFigureOut">
               <a:rPr lang="zh-CN" altLang="en-US" smtClean="0"/>
               <a:t>2024/3/10</a:t>
             </a:fld>
@@ -2674,7 +2674,7 @@
           <p:cNvPr id="6" name="页脚占位符 5">
             <a:extLst>
               <a:ext uri="{FF2B5EF4-FFF2-40B4-BE49-F238E27FC236}">
-                <a16:creationId xmlns:a16="http://schemas.microsoft.com/office/drawing/2014/main" id="{9D5D6D12-3614-9C21-97B4-8617644D4BC7}"/>
+                <a16:creationId xmlns:a16="http://schemas.microsoft.com/office/drawing/2014/main" id="{2A56B447-B667-3062-300E-E7834176DD82}"/>
               </a:ext>
             </a:extLst>
           </p:cNvPr>
@@ -2699,7 +2699,7 @@
           <p:cNvPr id="7" name="灯片编号占位符 6">
             <a:extLst>
               <a:ext uri="{FF2B5EF4-FFF2-40B4-BE49-F238E27FC236}">
-                <a16:creationId xmlns:a16="http://schemas.microsoft.com/office/drawing/2014/main" id="{A51130D2-9FD0-F699-8708-42E59308F8B9}"/>
+                <a16:creationId xmlns:a16="http://schemas.microsoft.com/office/drawing/2014/main" id="{50A477B7-9299-3FC3-FF15-6778D43B5A12}"/>
               </a:ext>
             </a:extLst>
           </p:cNvPr>
@@ -2715,7 +2715,7 @@
           <a:bodyPr/>
           <a:lstStyle/>
           <a:p>
-            <a:fld id="{4C8389C6-68F8-4741-A613-D16CD314D2FC}" type="slidenum">
+            <a:fld id="{CFE26624-AA7E-49C1-8B19-29E2B6AF7076}" type="slidenum">
               <a:rPr lang="zh-CN" altLang="en-US" smtClean="0"/>
               <a:t>‹#›</a:t>
             </a:fld>
@@ -2726,7 +2726,7 @@
     </p:spTree>
     <p:extLst>
       <p:ext uri="{BB962C8B-B14F-4D97-AF65-F5344CB8AC3E}">
-        <p14:creationId xmlns:p14="http://schemas.microsoft.com/office/powerpoint/2010/main" val="3965964635"/>
+        <p14:creationId xmlns:p14="http://schemas.microsoft.com/office/powerpoint/2010/main" val="4274289664"/>
       </p:ext>
     </p:extLst>
   </p:cSld>
@@ -2763,7 +2763,7 @@
           <p:cNvPr id="2" name="标题占位符 1">
             <a:extLst>
               <a:ext uri="{FF2B5EF4-FFF2-40B4-BE49-F238E27FC236}">
-                <a16:creationId xmlns:a16="http://schemas.microsoft.com/office/drawing/2014/main" id="{ABF5D25F-6AA5-D954-039B-D5898CCEF045}"/>
+                <a16:creationId xmlns:a16="http://schemas.microsoft.com/office/drawing/2014/main" id="{1952AB6A-1685-E2D3-D0AF-DC9EF398FC6A}"/>
               </a:ext>
             </a:extLst>
           </p:cNvPr>
@@ -2801,7 +2801,7 @@
           <p:cNvPr id="3" name="文本占位符 2">
             <a:extLst>
               <a:ext uri="{FF2B5EF4-FFF2-40B4-BE49-F238E27FC236}">
-                <a16:creationId xmlns:a16="http://schemas.microsoft.com/office/drawing/2014/main" id="{6153C51C-AD1A-3A7C-5EC9-45C1EFE82AB7}"/>
+                <a16:creationId xmlns:a16="http://schemas.microsoft.com/office/drawing/2014/main" id="{86274ABB-ECC0-0B97-4210-E8942DE7ED3F}"/>
               </a:ext>
             </a:extLst>
           </p:cNvPr>
@@ -2868,7 +2868,7 @@
           <p:cNvPr id="4" name="日期占位符 3">
             <a:extLst>
               <a:ext uri="{FF2B5EF4-FFF2-40B4-BE49-F238E27FC236}">
-                <a16:creationId xmlns:a16="http://schemas.microsoft.com/office/drawing/2014/main" id="{693E1980-B8A4-49A0-C417-8FB714660637}"/>
+                <a16:creationId xmlns:a16="http://schemas.microsoft.com/office/drawing/2014/main" id="{792B4FC9-7F4B-EC54-1448-ED9AD6984ADC}"/>
               </a:ext>
             </a:extLst>
           </p:cNvPr>
@@ -2902,7 +2902,7 @@
             </a:lvl1pPr>
           </a:lstStyle>
           <a:p>
-            <a:fld id="{7C9CDB1E-CDC6-4AD0-B2F2-0521A4CEAFF3}" type="datetimeFigureOut">
+            <a:fld id="{B074C497-7486-420D-A680-4B2701769E69}" type="datetimeFigureOut">
               <a:rPr lang="zh-CN" altLang="en-US" smtClean="0"/>
               <a:t>2024/3/10</a:t>
             </a:fld>
@@ -2915,7 +2915,7 @@
           <p:cNvPr id="5" name="页脚占位符 4">
             <a:extLst>
               <a:ext uri="{FF2B5EF4-FFF2-40B4-BE49-F238E27FC236}">
-                <a16:creationId xmlns:a16="http://schemas.microsoft.com/office/drawing/2014/main" id="{46641762-894B-D337-0020-96D21C74AB8C}"/>
+                <a16:creationId xmlns:a16="http://schemas.microsoft.com/office/drawing/2014/main" id="{207CC2DC-139B-DAC5-F303-1FF1195B4228}"/>
               </a:ext>
             </a:extLst>
           </p:cNvPr>
@@ -2958,7 +2958,7 @@
           <p:cNvPr id="6" name="灯片编号占位符 5">
             <a:extLst>
               <a:ext uri="{FF2B5EF4-FFF2-40B4-BE49-F238E27FC236}">
-                <a16:creationId xmlns:a16="http://schemas.microsoft.com/office/drawing/2014/main" id="{295B7EBF-1A1B-00F9-BEBB-3ADC04AD8828}"/>
+                <a16:creationId xmlns:a16="http://schemas.microsoft.com/office/drawing/2014/main" id="{C8DF53C1-EA98-F59E-7D1F-C933FC2A3F41}"/>
               </a:ext>
             </a:extLst>
           </p:cNvPr>
@@ -2992,7 +2992,7 @@
             </a:lvl1pPr>
           </a:lstStyle>
           <a:p>
-            <a:fld id="{4C8389C6-68F8-4741-A613-D16CD314D2FC}" type="slidenum">
+            <a:fld id="{CFE26624-AA7E-49C1-8B19-29E2B6AF7076}" type="slidenum">
               <a:rPr lang="zh-CN" altLang="en-US" smtClean="0"/>
               <a:t>‹#›</a:t>
             </a:fld>
@@ -3003,7 +3003,7 @@
     </p:spTree>
     <p:extLst>
       <p:ext uri="{BB962C8B-B14F-4D97-AF65-F5344CB8AC3E}">
-        <p14:creationId xmlns:p14="http://schemas.microsoft.com/office/powerpoint/2010/main" val="3071884579"/>
+        <p14:creationId xmlns:p14="http://schemas.microsoft.com/office/powerpoint/2010/main" val="1804462918"/>
       </p:ext>
     </p:extLst>
   </p:cSld>
